--- a/lessons/ni/Семинар_5.pptx
+++ b/lessons/ni/Семинар_5.pptx
@@ -9,12 +9,13 @@
     <p:sldId id="257" r:id="rId3"/>
     <p:sldId id="258" r:id="rId4"/>
     <p:sldId id="259" r:id="rId5"/>
-    <p:sldId id="260" r:id="rId6"/>
-    <p:sldId id="261" r:id="rId7"/>
-    <p:sldId id="262" r:id="rId8"/>
-    <p:sldId id="263" r:id="rId9"/>
-    <p:sldId id="264" r:id="rId10"/>
-    <p:sldId id="265" r:id="rId11"/>
+    <p:sldId id="266" r:id="rId6"/>
+    <p:sldId id="260" r:id="rId7"/>
+    <p:sldId id="261" r:id="rId8"/>
+    <p:sldId id="262" r:id="rId9"/>
+    <p:sldId id="263" r:id="rId10"/>
+    <p:sldId id="264" r:id="rId11"/>
+    <p:sldId id="265" r:id="rId12"/>
   </p:sldIdLst>
   <p:sldSz cx="12192000" cy="6858000"/>
   <p:notesSz cx="6858000" cy="9144000"/>
@@ -268,7 +269,7 @@
           <a:p>
             <a:fld id="{10111DC9-7525-0444-87DB-D43A28E2D6CE}" type="datetimeFigureOut">
               <a:rPr lang="ru-RU" smtClean="0"/>
-              <a:t>14.03.2021</a:t>
+              <a:t>15.03.2021</a:t>
             </a:fld>
             <a:endParaRPr lang="ru-RU"/>
           </a:p>
@@ -466,7 +467,7 @@
           <a:p>
             <a:fld id="{10111DC9-7525-0444-87DB-D43A28E2D6CE}" type="datetimeFigureOut">
               <a:rPr lang="ru-RU" smtClean="0"/>
-              <a:t>14.03.2021</a:t>
+              <a:t>15.03.2021</a:t>
             </a:fld>
             <a:endParaRPr lang="ru-RU"/>
           </a:p>
@@ -674,7 +675,7 @@
           <a:p>
             <a:fld id="{10111DC9-7525-0444-87DB-D43A28E2D6CE}" type="datetimeFigureOut">
               <a:rPr lang="ru-RU" smtClean="0"/>
-              <a:t>14.03.2021</a:t>
+              <a:t>15.03.2021</a:t>
             </a:fld>
             <a:endParaRPr lang="ru-RU"/>
           </a:p>
@@ -872,7 +873,7 @@
           <a:p>
             <a:fld id="{10111DC9-7525-0444-87DB-D43A28E2D6CE}" type="datetimeFigureOut">
               <a:rPr lang="ru-RU" smtClean="0"/>
-              <a:t>14.03.2021</a:t>
+              <a:t>15.03.2021</a:t>
             </a:fld>
             <a:endParaRPr lang="ru-RU"/>
           </a:p>
@@ -1147,7 +1148,7 @@
           <a:p>
             <a:fld id="{10111DC9-7525-0444-87DB-D43A28E2D6CE}" type="datetimeFigureOut">
               <a:rPr lang="ru-RU" smtClean="0"/>
-              <a:t>14.03.2021</a:t>
+              <a:t>15.03.2021</a:t>
             </a:fld>
             <a:endParaRPr lang="ru-RU"/>
           </a:p>
@@ -1412,7 +1413,7 @@
           <a:p>
             <a:fld id="{10111DC9-7525-0444-87DB-D43A28E2D6CE}" type="datetimeFigureOut">
               <a:rPr lang="ru-RU" smtClean="0"/>
-              <a:t>14.03.2021</a:t>
+              <a:t>15.03.2021</a:t>
             </a:fld>
             <a:endParaRPr lang="ru-RU"/>
           </a:p>
@@ -1824,7 +1825,7 @@
           <a:p>
             <a:fld id="{10111DC9-7525-0444-87DB-D43A28E2D6CE}" type="datetimeFigureOut">
               <a:rPr lang="ru-RU" smtClean="0"/>
-              <a:t>14.03.2021</a:t>
+              <a:t>15.03.2021</a:t>
             </a:fld>
             <a:endParaRPr lang="ru-RU"/>
           </a:p>
@@ -1965,7 +1966,7 @@
           <a:p>
             <a:fld id="{10111DC9-7525-0444-87DB-D43A28E2D6CE}" type="datetimeFigureOut">
               <a:rPr lang="ru-RU" smtClean="0"/>
-              <a:t>14.03.2021</a:t>
+              <a:t>15.03.2021</a:t>
             </a:fld>
             <a:endParaRPr lang="ru-RU"/>
           </a:p>
@@ -2078,7 +2079,7 @@
           <a:p>
             <a:fld id="{10111DC9-7525-0444-87DB-D43A28E2D6CE}" type="datetimeFigureOut">
               <a:rPr lang="ru-RU" smtClean="0"/>
-              <a:t>14.03.2021</a:t>
+              <a:t>15.03.2021</a:t>
             </a:fld>
             <a:endParaRPr lang="ru-RU"/>
           </a:p>
@@ -2389,7 +2390,7 @@
           <a:p>
             <a:fld id="{10111DC9-7525-0444-87DB-D43A28E2D6CE}" type="datetimeFigureOut">
               <a:rPr lang="ru-RU" smtClean="0"/>
-              <a:t>14.03.2021</a:t>
+              <a:t>15.03.2021</a:t>
             </a:fld>
             <a:endParaRPr lang="ru-RU"/>
           </a:p>
@@ -2677,7 +2678,7 @@
           <a:p>
             <a:fld id="{10111DC9-7525-0444-87DB-D43A28E2D6CE}" type="datetimeFigureOut">
               <a:rPr lang="ru-RU" smtClean="0"/>
-              <a:t>14.03.2021</a:t>
+              <a:t>15.03.2021</a:t>
             </a:fld>
             <a:endParaRPr lang="ru-RU"/>
           </a:p>
@@ -2918,7 +2919,7 @@
           <a:p>
             <a:fld id="{10111DC9-7525-0444-87DB-D43A28E2D6CE}" type="datetimeFigureOut">
               <a:rPr lang="ru-RU" smtClean="0"/>
-              <a:t>14.03.2021</a:t>
+              <a:t>15.03.2021</a:t>
             </a:fld>
             <a:endParaRPr lang="ru-RU"/>
           </a:p>
@@ -3426,6 +3427,539 @@
           <p:cNvPr id="2" name="Заголовок 1">
             <a:extLst>
               <a:ext uri="{FF2B5EF4-FFF2-40B4-BE49-F238E27FC236}">
+                <a16:creationId xmlns:a16="http://schemas.microsoft.com/office/drawing/2014/main" id="{37AF7D15-87C0-1A43-BEE4-8C4BFC527A60}"/>
+              </a:ext>
+            </a:extLst>
+          </p:cNvPr>
+          <p:cNvSpPr>
+            <a:spLocks noGrp="1"/>
+          </p:cNvSpPr>
+          <p:nvPr>
+            <p:ph type="title"/>
+          </p:nvPr>
+        </p:nvSpPr>
+        <p:spPr/>
+        <p:txBody>
+          <a:bodyPr/>
+          <a:lstStyle/>
+          <a:p>
+            <a:r>
+              <a:rPr lang="ru-RU" dirty="0"/>
+              <a:t>Критерий </a:t>
+            </a:r>
+            <a:r>
+              <a:rPr lang="ru-RU" dirty="0" err="1"/>
+              <a:t>Кендалла</a:t>
+            </a:r>
+            <a:endParaRPr lang="ru-RU" dirty="0"/>
+          </a:p>
+        </p:txBody>
+      </p:sp>
+      <mc:AlternateContent xmlns:mc="http://schemas.openxmlformats.org/markup-compatibility/2006" xmlns:a14="http://schemas.microsoft.com/office/drawing/2010/main">
+        <mc:Choice Requires="a14">
+          <p:sp>
+            <p:nvSpPr>
+              <p:cNvPr id="3" name="Объект 2">
+                <a:extLst>
+                  <a:ext uri="{FF2B5EF4-FFF2-40B4-BE49-F238E27FC236}">
+                    <a16:creationId xmlns:a16="http://schemas.microsoft.com/office/drawing/2014/main" id="{724C5FBD-474F-964F-9EEB-2C43F8B270CD}"/>
+                  </a:ext>
+                </a:extLst>
+              </p:cNvPr>
+              <p:cNvSpPr>
+                <a:spLocks noGrp="1"/>
+              </p:cNvSpPr>
+              <p:nvPr>
+                <p:ph idx="1"/>
+              </p:nvPr>
+            </p:nvSpPr>
+            <p:spPr/>
+            <p:txBody>
+              <a:bodyPr/>
+              <a:lstStyle/>
+              <a:p>
+                <a:pPr marL="0" indent="0">
+                  <a:buNone/>
+                </a:pPr>
+                <a:r>
+                  <a:rPr lang="ru-RU" dirty="0">
+                    <a:latin typeface="Times New Roman" panose="02020603050405020304" pitchFamily="18" charset="0"/>
+                    <a:cs typeface="Times New Roman" panose="02020603050405020304" pitchFamily="18" charset="0"/>
+                  </a:rPr>
+                  <a:t>Статистика</a:t>
+                </a:r>
+              </a:p>
+              <a:p>
+                <a:pPr marL="0" indent="0">
+                  <a:buNone/>
+                </a:pPr>
+                <a14:m>
+                  <m:oMathPara xmlns:m="http://schemas.openxmlformats.org/officeDocument/2006/math">
+                    <m:oMathParaPr>
+                      <m:jc m:val="centerGroup"/>
+                    </m:oMathParaPr>
+                    <m:oMath xmlns:m="http://schemas.openxmlformats.org/officeDocument/2006/math">
+                      <m:r>
+                        <a:rPr lang="en-US" b="0" i="1" smtClean="0">
+                          <a:latin typeface="Cambria Math" panose="02040503050406030204" pitchFamily="18" charset="0"/>
+                        </a:rPr>
+                        <m:t>𝑇</m:t>
+                      </m:r>
+                      <m:r>
+                        <a:rPr lang="en-US" b="0" i="1" smtClean="0">
+                          <a:latin typeface="Cambria Math" panose="02040503050406030204" pitchFamily="18" charset="0"/>
+                        </a:rPr>
+                        <m:t>=</m:t>
+                      </m:r>
+                      <m:f>
+                        <m:fPr>
+                          <m:ctrlPr>
+                            <a:rPr lang="en-US" b="0" i="1" smtClean="0">
+                              <a:latin typeface="Cambria Math" panose="02040503050406030204" pitchFamily="18" charset="0"/>
+                            </a:rPr>
+                          </m:ctrlPr>
+                        </m:fPr>
+                        <m:num>
+                          <m:sSub>
+                            <m:sSubPr>
+                              <m:ctrlPr>
+                                <a:rPr lang="en-US" i="1" smtClean="0">
+                                  <a:latin typeface="Cambria Math" panose="02040503050406030204" pitchFamily="18" charset="0"/>
+                                </a:rPr>
+                              </m:ctrlPr>
+                            </m:sSubPr>
+                            <m:e>
+                              <m:acc>
+                                <m:accPr>
+                                  <m:chr m:val="̂"/>
+                                  <m:ctrlPr>
+                                    <a:rPr lang="en-US" i="1">
+                                      <a:latin typeface="Cambria Math" panose="02040503050406030204" pitchFamily="18" charset="0"/>
+                                    </a:rPr>
+                                  </m:ctrlPr>
+                                </m:accPr>
+                                <m:e>
+                                  <m:r>
+                                    <a:rPr lang="en-US" i="1">
+                                      <a:latin typeface="Cambria Math" panose="02040503050406030204" pitchFamily="18" charset="0"/>
+                                    </a:rPr>
+                                    <m:t> </m:t>
+                                  </m:r>
+                                  <m:r>
+                                    <a:rPr lang="en-US" i="1" smtClean="0">
+                                      <a:latin typeface="Cambria Math" panose="02040503050406030204" pitchFamily="18" charset="0"/>
+                                      <a:ea typeface="Cambria Math" panose="02040503050406030204" pitchFamily="18" charset="0"/>
+                                    </a:rPr>
+                                    <m:t>𝜏</m:t>
+                                  </m:r>
+                                  <m:r>
+                                    <a:rPr lang="en-US" i="1">
+                                      <a:latin typeface="Cambria Math" panose="02040503050406030204" pitchFamily="18" charset="0"/>
+                                    </a:rPr>
+                                    <m:t> </m:t>
+                                  </m:r>
+                                </m:e>
+                              </m:acc>
+                            </m:e>
+                            <m:sub>
+                              <m:r>
+                                <a:rPr lang="en-US" i="1">
+                                  <a:latin typeface="Cambria Math" panose="02040503050406030204" pitchFamily="18" charset="0"/>
+                                </a:rPr>
+                                <m:t>𝑋𝑌</m:t>
+                              </m:r>
+                            </m:sub>
+                          </m:sSub>
+                          <m:d>
+                            <m:dPr>
+                              <m:ctrlPr>
+                                <a:rPr lang="ru-RU" b="0" i="1" smtClean="0">
+                                  <a:latin typeface="Cambria Math" panose="02040503050406030204" pitchFamily="18" charset="0"/>
+                                </a:rPr>
+                              </m:ctrlPr>
+                            </m:dPr>
+                            <m:e>
+                              <m:r>
+                                <a:rPr lang="en-US" b="0" i="1" smtClean="0">
+                                  <a:latin typeface="Cambria Math" panose="02040503050406030204" pitchFamily="18" charset="0"/>
+                                </a:rPr>
+                                <m:t>𝑛</m:t>
+                              </m:r>
+                            </m:e>
+                          </m:d>
+                        </m:num>
+                        <m:den>
+                          <m:rad>
+                            <m:radPr>
+                              <m:degHide m:val="on"/>
+                              <m:ctrlPr>
+                                <a:rPr lang="en-US" b="0" i="1" smtClean="0">
+                                  <a:latin typeface="Cambria Math" panose="02040503050406030204" pitchFamily="18" charset="0"/>
+                                </a:rPr>
+                              </m:ctrlPr>
+                            </m:radPr>
+                            <m:deg/>
+                            <m:e>
+                              <m:sSub>
+                                <m:sSubPr>
+                                  <m:ctrlPr>
+                                    <a:rPr lang="en-US" i="1" smtClean="0">
+                                      <a:latin typeface="Cambria Math" panose="02040503050406030204" pitchFamily="18" charset="0"/>
+                                    </a:rPr>
+                                  </m:ctrlPr>
+                                </m:sSubPr>
+                                <m:e>
+                                  <m:r>
+                                    <a:rPr lang="en-US" b="0" i="1" smtClean="0">
+                                      <a:latin typeface="Cambria Math" panose="02040503050406030204" pitchFamily="18" charset="0"/>
+                                    </a:rPr>
+                                    <m:t>𝐷</m:t>
+                                  </m:r>
+                                  <m:r>
+                                    <a:rPr lang="en-US" b="0" i="1" smtClean="0">
+                                      <a:latin typeface="Cambria Math" panose="02040503050406030204" pitchFamily="18" charset="0"/>
+                                    </a:rPr>
+                                    <m:t>{</m:t>
+                                  </m:r>
+                                  <m:acc>
+                                    <m:accPr>
+                                      <m:chr m:val="̂"/>
+                                      <m:ctrlPr>
+                                        <a:rPr lang="en-US" i="1">
+                                          <a:latin typeface="Cambria Math" panose="02040503050406030204" pitchFamily="18" charset="0"/>
+                                        </a:rPr>
+                                      </m:ctrlPr>
+                                    </m:accPr>
+                                    <m:e>
+                                      <m:r>
+                                        <a:rPr lang="en-US" i="1">
+                                          <a:latin typeface="Cambria Math" panose="02040503050406030204" pitchFamily="18" charset="0"/>
+                                        </a:rPr>
+                                        <m:t> </m:t>
+                                      </m:r>
+                                      <m:r>
+                                        <a:rPr lang="en-US" i="1" smtClean="0">
+                                          <a:latin typeface="Cambria Math" panose="02040503050406030204" pitchFamily="18" charset="0"/>
+                                          <a:ea typeface="Cambria Math" panose="02040503050406030204" pitchFamily="18" charset="0"/>
+                                        </a:rPr>
+                                        <m:t>𝜏</m:t>
+                                      </m:r>
+                                      <m:r>
+                                        <a:rPr lang="en-US" i="1">
+                                          <a:latin typeface="Cambria Math" panose="02040503050406030204" pitchFamily="18" charset="0"/>
+                                        </a:rPr>
+                                        <m:t> </m:t>
+                                      </m:r>
+                                    </m:e>
+                                  </m:acc>
+                                </m:e>
+                                <m:sub>
+                                  <m:r>
+                                    <a:rPr lang="en-US" i="1">
+                                      <a:latin typeface="Cambria Math" panose="02040503050406030204" pitchFamily="18" charset="0"/>
+                                    </a:rPr>
+                                    <m:t>𝑋𝑌</m:t>
+                                  </m:r>
+                                </m:sub>
+                              </m:sSub>
+                              <m:d>
+                                <m:dPr>
+                                  <m:ctrlPr>
+                                    <a:rPr lang="ru-RU" b="0" i="1" smtClean="0">
+                                      <a:latin typeface="Cambria Math" panose="02040503050406030204" pitchFamily="18" charset="0"/>
+                                    </a:rPr>
+                                  </m:ctrlPr>
+                                </m:dPr>
+                                <m:e>
+                                  <m:r>
+                                    <a:rPr lang="en-US" b="0" i="1" smtClean="0">
+                                      <a:latin typeface="Cambria Math" panose="02040503050406030204" pitchFamily="18" charset="0"/>
+                                    </a:rPr>
+                                    <m:t>𝑛</m:t>
+                                  </m:r>
+                                </m:e>
+                              </m:d>
+                              <m:r>
+                                <a:rPr lang="en-US" b="0" i="1" smtClean="0">
+                                  <a:latin typeface="Cambria Math" panose="02040503050406030204" pitchFamily="18" charset="0"/>
+                                </a:rPr>
+                                <m:t>}</m:t>
+                              </m:r>
+                            </m:e>
+                          </m:rad>
+                        </m:den>
+                      </m:f>
+                    </m:oMath>
+                  </m:oMathPara>
+                </a14:m>
+                <a:endParaRPr lang="en-US" dirty="0">
+                  <a:latin typeface="Times New Roman" panose="02020603050405020304" pitchFamily="18" charset="0"/>
+                  <a:cs typeface="Times New Roman" panose="02020603050405020304" pitchFamily="18" charset="0"/>
+                </a:endParaRPr>
+              </a:p>
+              <a:p>
+                <a:pPr marL="0" indent="0">
+                  <a:buNone/>
+                </a:pPr>
+                <a:endParaRPr lang="en-US" dirty="0">
+                  <a:latin typeface="Times New Roman" panose="02020603050405020304" pitchFamily="18" charset="0"/>
+                  <a:cs typeface="Times New Roman" panose="02020603050405020304" pitchFamily="18" charset="0"/>
+                </a:endParaRPr>
+              </a:p>
+              <a:p>
+                <a:pPr marL="0" indent="0">
+                  <a:buNone/>
+                </a:pPr>
+                <a14:m>
+                  <m:oMathPara xmlns:m="http://schemas.openxmlformats.org/officeDocument/2006/math">
+                    <m:oMathParaPr>
+                      <m:jc m:val="centerGroup"/>
+                    </m:oMathParaPr>
+                    <m:oMath xmlns:m="http://schemas.openxmlformats.org/officeDocument/2006/math">
+                      <m:sSub>
+                        <m:sSubPr>
+                          <m:ctrlPr>
+                            <a:rPr lang="en-US" i="1" smtClean="0">
+                              <a:latin typeface="Cambria Math" panose="02040503050406030204" pitchFamily="18" charset="0"/>
+                            </a:rPr>
+                          </m:ctrlPr>
+                        </m:sSubPr>
+                        <m:e>
+                          <m:r>
+                            <a:rPr lang="en-US" b="0" i="1" smtClean="0">
+                              <a:latin typeface="Cambria Math" panose="02040503050406030204" pitchFamily="18" charset="0"/>
+                            </a:rPr>
+                            <m:t>𝐷</m:t>
+                          </m:r>
+                          <m:r>
+                            <a:rPr lang="en-US" b="0" i="1" smtClean="0">
+                              <a:latin typeface="Cambria Math" panose="02040503050406030204" pitchFamily="18" charset="0"/>
+                            </a:rPr>
+                            <m:t>{</m:t>
+                          </m:r>
+                          <m:acc>
+                            <m:accPr>
+                              <m:chr m:val="̂"/>
+                              <m:ctrlPr>
+                                <a:rPr lang="en-US" i="1">
+                                  <a:latin typeface="Cambria Math" panose="02040503050406030204" pitchFamily="18" charset="0"/>
+                                </a:rPr>
+                              </m:ctrlPr>
+                            </m:accPr>
+                            <m:e>
+                              <m:r>
+                                <a:rPr lang="en-US" i="1">
+                                  <a:latin typeface="Cambria Math" panose="02040503050406030204" pitchFamily="18" charset="0"/>
+                                </a:rPr>
+                                <m:t> </m:t>
+                              </m:r>
+                              <m:r>
+                                <a:rPr lang="en-US" i="1" smtClean="0">
+                                  <a:latin typeface="Cambria Math" panose="02040503050406030204" pitchFamily="18" charset="0"/>
+                                  <a:ea typeface="Cambria Math" panose="02040503050406030204" pitchFamily="18" charset="0"/>
+                                </a:rPr>
+                                <m:t>𝜏</m:t>
+                              </m:r>
+                              <m:r>
+                                <a:rPr lang="en-US" i="1">
+                                  <a:latin typeface="Cambria Math" panose="02040503050406030204" pitchFamily="18" charset="0"/>
+                                </a:rPr>
+                                <m:t> </m:t>
+                              </m:r>
+                            </m:e>
+                          </m:acc>
+                        </m:e>
+                        <m:sub>
+                          <m:r>
+                            <a:rPr lang="en-US" i="1">
+                              <a:latin typeface="Cambria Math" panose="02040503050406030204" pitchFamily="18" charset="0"/>
+                            </a:rPr>
+                            <m:t>𝑋𝑌</m:t>
+                          </m:r>
+                        </m:sub>
+                      </m:sSub>
+                      <m:d>
+                        <m:dPr>
+                          <m:ctrlPr>
+                            <a:rPr lang="ru-RU" b="0" i="1" smtClean="0">
+                              <a:latin typeface="Cambria Math" panose="02040503050406030204" pitchFamily="18" charset="0"/>
+                            </a:rPr>
+                          </m:ctrlPr>
+                        </m:dPr>
+                        <m:e>
+                          <m:r>
+                            <a:rPr lang="en-US" b="0" i="1" smtClean="0">
+                              <a:latin typeface="Cambria Math" panose="02040503050406030204" pitchFamily="18" charset="0"/>
+                            </a:rPr>
+                            <m:t>𝑛</m:t>
+                          </m:r>
+                        </m:e>
+                      </m:d>
+                      <m:r>
+                        <a:rPr lang="en-US" b="0" i="0" smtClean="0">
+                          <a:latin typeface="Cambria Math" panose="02040503050406030204" pitchFamily="18" charset="0"/>
+                        </a:rPr>
+                        <m:t>}=</m:t>
+                      </m:r>
+                      <m:f>
+                        <m:fPr>
+                          <m:ctrlPr>
+                            <a:rPr lang="en-US" b="0" i="1" smtClean="0">
+                              <a:latin typeface="Cambria Math" panose="02040503050406030204" pitchFamily="18" charset="0"/>
+                            </a:rPr>
+                          </m:ctrlPr>
+                        </m:fPr>
+                        <m:num>
+                          <m:r>
+                            <a:rPr lang="en-US" b="0" i="0" smtClean="0">
+                              <a:latin typeface="Cambria Math" panose="02040503050406030204" pitchFamily="18" charset="0"/>
+                            </a:rPr>
+                            <m:t>4</m:t>
+                          </m:r>
+                          <m:r>
+                            <a:rPr lang="en-US" b="0" i="1" smtClean="0">
+                              <a:latin typeface="Cambria Math" panose="02040503050406030204" pitchFamily="18" charset="0"/>
+                            </a:rPr>
+                            <m:t>𝑛</m:t>
+                          </m:r>
+                          <m:r>
+                            <a:rPr lang="en-US" b="0" i="1" smtClean="0">
+                              <a:latin typeface="Cambria Math" panose="02040503050406030204" pitchFamily="18" charset="0"/>
+                            </a:rPr>
+                            <m:t>+10</m:t>
+                          </m:r>
+                        </m:num>
+                        <m:den>
+                          <m:r>
+                            <a:rPr lang="en-US" b="0" i="1" smtClean="0">
+                              <a:latin typeface="Cambria Math" panose="02040503050406030204" pitchFamily="18" charset="0"/>
+                            </a:rPr>
+                            <m:t>9</m:t>
+                          </m:r>
+                          <m:r>
+                            <a:rPr lang="en-US" b="0" i="1" smtClean="0">
+                              <a:latin typeface="Cambria Math" panose="02040503050406030204" pitchFamily="18" charset="0"/>
+                            </a:rPr>
+                            <m:t>𝑛</m:t>
+                          </m:r>
+                          <m:r>
+                            <a:rPr lang="en-US" b="0" i="1" smtClean="0">
+                              <a:latin typeface="Cambria Math" panose="02040503050406030204" pitchFamily="18" charset="0"/>
+                            </a:rPr>
+                            <m:t>(</m:t>
+                          </m:r>
+                          <m:r>
+                            <a:rPr lang="en-US" b="0" i="1" smtClean="0">
+                              <a:latin typeface="Cambria Math" panose="02040503050406030204" pitchFamily="18" charset="0"/>
+                            </a:rPr>
+                            <m:t>𝑛</m:t>
+                          </m:r>
+                          <m:r>
+                            <a:rPr lang="en-US" b="0" i="1" smtClean="0">
+                              <a:latin typeface="Cambria Math" panose="02040503050406030204" pitchFamily="18" charset="0"/>
+                            </a:rPr>
+                            <m:t>−1)</m:t>
+                          </m:r>
+                        </m:den>
+                      </m:f>
+                    </m:oMath>
+                  </m:oMathPara>
+                </a14:m>
+                <a:endParaRPr lang="en-US" dirty="0">
+                  <a:latin typeface="Times New Roman" panose="02020603050405020304" pitchFamily="18" charset="0"/>
+                  <a:cs typeface="Times New Roman" panose="02020603050405020304" pitchFamily="18" charset="0"/>
+                </a:endParaRPr>
+              </a:p>
+              <a:p>
+                <a:pPr marL="0" indent="0">
+                  <a:buNone/>
+                </a:pPr>
+                <a:r>
+                  <a:rPr lang="ru-RU" dirty="0">
+                    <a:latin typeface="Times New Roman" panose="02020603050405020304" pitchFamily="18" charset="0"/>
+                    <a:cs typeface="Times New Roman" panose="02020603050405020304" pitchFamily="18" charset="0"/>
+                  </a:rPr>
+                  <a:t>Имеет нормальное распределение.</a:t>
+                </a:r>
+              </a:p>
+            </p:txBody>
+          </p:sp>
+        </mc:Choice>
+        <mc:Fallback xmlns="">
+          <p:sp>
+            <p:nvSpPr>
+              <p:cNvPr id="3" name="Объект 2">
+                <a:extLst>
+                  <a:ext uri="{FF2B5EF4-FFF2-40B4-BE49-F238E27FC236}">
+                    <a16:creationId xmlns:a16="http://schemas.microsoft.com/office/drawing/2014/main" id="{724C5FBD-474F-964F-9EEB-2C43F8B270CD}"/>
+                  </a:ext>
+                </a:extLst>
+              </p:cNvPr>
+              <p:cNvSpPr>
+                <a:spLocks noGrp="1" noRot="1" noChangeAspect="1" noMove="1" noResize="1" noEditPoints="1" noAdjustHandles="1" noChangeArrowheads="1" noChangeShapeType="1" noTextEdit="1"/>
+              </p:cNvSpPr>
+              <p:nvPr>
+                <p:ph idx="1"/>
+              </p:nvPr>
+            </p:nvSpPr>
+            <p:spPr>
+              <a:blipFill>
+                <a:blip r:embed="rId2"/>
+                <a:stretch>
+                  <a:fillRect l="-1206" t="-2326"/>
+                </a:stretch>
+              </a:blipFill>
+            </p:spPr>
+            <p:txBody>
+              <a:bodyPr/>
+              <a:lstStyle/>
+              <a:p>
+                <a:r>
+                  <a:rPr lang="ru-RU">
+                    <a:noFill/>
+                  </a:rPr>
+                  <a:t> </a:t>
+                </a:r>
+              </a:p>
+            </p:txBody>
+          </p:sp>
+        </mc:Fallback>
+      </mc:AlternateContent>
+    </p:spTree>
+    <p:extLst>
+      <p:ext uri="{BB962C8B-B14F-4D97-AF65-F5344CB8AC3E}">
+        <p14:creationId xmlns:p14="http://schemas.microsoft.com/office/powerpoint/2010/main" val="4097241261"/>
+      </p:ext>
+    </p:extLst>
+  </p:cSld>
+  <p:clrMapOvr>
+    <a:masterClrMapping/>
+  </p:clrMapOvr>
+</p:sld>
+</file>
+
+<file path=ppt/slides/slide11.xml><?xml version="1.0" encoding="utf-8"?>
+<p:sld xmlns:a="http://schemas.openxmlformats.org/drawingml/2006/main" xmlns:r="http://schemas.openxmlformats.org/officeDocument/2006/relationships" xmlns:p="http://schemas.openxmlformats.org/presentationml/2006/main">
+  <p:cSld>
+    <p:spTree>
+      <p:nvGrpSpPr>
+        <p:cNvPr id="1" name=""/>
+        <p:cNvGrpSpPr/>
+        <p:nvPr/>
+      </p:nvGrpSpPr>
+      <p:grpSpPr>
+        <a:xfrm>
+          <a:off x="0" y="0"/>
+          <a:ext cx="0" cy="0"/>
+          <a:chOff x="0" y="0"/>
+          <a:chExt cx="0" cy="0"/>
+        </a:xfrm>
+      </p:grpSpPr>
+      <p:sp>
+        <p:nvSpPr>
+          <p:cNvPr id="2" name="Заголовок 1">
+            <a:extLst>
+              <a:ext uri="{FF2B5EF4-FFF2-40B4-BE49-F238E27FC236}">
                 <a16:creationId xmlns:a16="http://schemas.microsoft.com/office/drawing/2014/main" id="{41D4EB34-4D6C-6D41-A6A7-3E60B08B8CD5}"/>
               </a:ext>
             </a:extLst>
@@ -3454,8 +3988,8 @@
           </a:p>
         </p:txBody>
       </p:sp>
-      <mc:AlternateContent xmlns:mc="http://schemas.openxmlformats.org/markup-compatibility/2006">
-        <mc:Choice xmlns:a14="http://schemas.microsoft.com/office/drawing/2010/main" Requires="a14">
+      <mc:AlternateContent xmlns:mc="http://schemas.openxmlformats.org/markup-compatibility/2006" xmlns:a14="http://schemas.microsoft.com/office/drawing/2010/main">
+        <mc:Choice Requires="a14">
           <p:sp>
             <p:nvSpPr>
               <p:cNvPr id="6" name="TextBox 5">
@@ -3493,6 +4027,7 @@
                 <a:endParaRPr lang="ru-RU" sz="2400" dirty="0"/>
               </a:p>
               <a:p>
+                <a:pPr/>
                 <a14:m>
                   <m:oMathPara xmlns:m="http://schemas.openxmlformats.org/officeDocument/2006/math">
                     <m:oMathParaPr>
@@ -4306,6 +4841,7 @@
                 </a:endParaRPr>
               </a:p>
               <a:p>
+                <a:pPr/>
                 <a14:m>
                   <m:oMathPara xmlns:m="http://schemas.openxmlformats.org/officeDocument/2006/math">
                     <m:oMathParaPr>
@@ -4448,7 +4984,7 @@
             </p:txBody>
           </p:sp>
         </mc:Choice>
-        <mc:Fallback>
+        <mc:Fallback xmlns="">
           <p:sp>
             <p:nvSpPr>
               <p:cNvPr id="6" name="TextBox 5">
@@ -4918,6 +5454,379 @@
           <p:cNvPr id="2" name="Заголовок 1">
             <a:extLst>
               <a:ext uri="{FF2B5EF4-FFF2-40B4-BE49-F238E27FC236}">
+                <a16:creationId xmlns:a16="http://schemas.microsoft.com/office/drawing/2014/main" id="{558F8F26-1FA0-F742-921D-C52753200D50}"/>
+              </a:ext>
+            </a:extLst>
+          </p:cNvPr>
+          <p:cNvSpPr>
+            <a:spLocks noGrp="1"/>
+          </p:cNvSpPr>
+          <p:nvPr>
+            <p:ph type="title"/>
+          </p:nvPr>
+        </p:nvSpPr>
+        <p:spPr/>
+        <p:txBody>
+          <a:bodyPr/>
+          <a:lstStyle/>
+          <a:p>
+            <a:r>
+              <a:rPr lang="ru-RU" dirty="0"/>
+              <a:t>Выборочная ковариация</a:t>
+            </a:r>
+          </a:p>
+        </p:txBody>
+      </p:sp>
+      <mc:AlternateContent xmlns:mc="http://schemas.openxmlformats.org/markup-compatibility/2006">
+        <mc:Choice xmlns:a14="http://schemas.microsoft.com/office/drawing/2010/main" Requires="a14">
+          <p:sp>
+            <p:nvSpPr>
+              <p:cNvPr id="3" name="Объект 2">
+                <a:extLst>
+                  <a:ext uri="{FF2B5EF4-FFF2-40B4-BE49-F238E27FC236}">
+                    <a16:creationId xmlns:a16="http://schemas.microsoft.com/office/drawing/2014/main" id="{4B67DE77-7DEF-7F43-B1C9-EAA4C462FD20}"/>
+                  </a:ext>
+                </a:extLst>
+              </p:cNvPr>
+              <p:cNvSpPr>
+                <a:spLocks noGrp="1"/>
+              </p:cNvSpPr>
+              <p:nvPr>
+                <p:ph idx="1"/>
+              </p:nvPr>
+            </p:nvSpPr>
+            <p:spPr/>
+            <p:txBody>
+              <a:bodyPr/>
+              <a:lstStyle/>
+              <a:p>
+                <a:pPr marL="0" indent="0">
+                  <a:buNone/>
+                </a:pPr>
+                <a14:m>
+                  <m:oMathPara xmlns:m="http://schemas.openxmlformats.org/officeDocument/2006/math">
+                    <m:oMathParaPr>
+                      <m:jc m:val="centerGroup"/>
+                    </m:oMathParaPr>
+                    <m:oMath xmlns:m="http://schemas.openxmlformats.org/officeDocument/2006/math">
+                      <m:sSub>
+                        <m:sSubPr>
+                          <m:ctrlPr>
+                            <a:rPr lang="en-US" i="1" smtClean="0">
+                              <a:latin typeface="Cambria Math" panose="02040503050406030204" pitchFamily="18" charset="0"/>
+                            </a:rPr>
+                          </m:ctrlPr>
+                        </m:sSubPr>
+                        <m:e>
+                          <m:acc>
+                            <m:accPr>
+                              <m:chr m:val="̂"/>
+                              <m:ctrlPr>
+                                <a:rPr lang="en-US" i="1">
+                                  <a:latin typeface="Cambria Math" panose="02040503050406030204" pitchFamily="18" charset="0"/>
+                                </a:rPr>
+                              </m:ctrlPr>
+                            </m:accPr>
+                            <m:e>
+                              <m:r>
+                                <a:rPr lang="en-US" i="1">
+                                  <a:latin typeface="Cambria Math" panose="02040503050406030204" pitchFamily="18" charset="0"/>
+                                </a:rPr>
+                                <m:t>𝑘</m:t>
+                              </m:r>
+                            </m:e>
+                          </m:acc>
+                        </m:e>
+                        <m:sub>
+                          <m:r>
+                            <a:rPr lang="en-US" i="1">
+                              <a:latin typeface="Cambria Math" panose="02040503050406030204" pitchFamily="18" charset="0"/>
+                            </a:rPr>
+                            <m:t>𝑋𝑌</m:t>
+                          </m:r>
+                        </m:sub>
+                      </m:sSub>
+                      <m:r>
+                        <a:rPr lang="ru-RU" b="0" i="1" smtClean="0">
+                          <a:latin typeface="Cambria Math" panose="02040503050406030204" pitchFamily="18" charset="0"/>
+                        </a:rPr>
+                        <m:t>=</m:t>
+                      </m:r>
+                      <m:f>
+                        <m:fPr>
+                          <m:ctrlPr>
+                            <a:rPr lang="ru-RU" b="0" i="1" smtClean="0">
+                              <a:latin typeface="Cambria Math" panose="02040503050406030204" pitchFamily="18" charset="0"/>
+                            </a:rPr>
+                          </m:ctrlPr>
+                        </m:fPr>
+                        <m:num>
+                          <m:r>
+                            <a:rPr lang="ru-RU" b="0" i="1" smtClean="0">
+                              <a:latin typeface="Cambria Math" panose="02040503050406030204" pitchFamily="18" charset="0"/>
+                            </a:rPr>
+                            <m:t>1</m:t>
+                          </m:r>
+                        </m:num>
+                        <m:den>
+                          <m:r>
+                            <a:rPr lang="en-US" b="0" i="1" smtClean="0">
+                              <a:latin typeface="Cambria Math" panose="02040503050406030204" pitchFamily="18" charset="0"/>
+                            </a:rPr>
+                            <m:t>𝑛</m:t>
+                          </m:r>
+                        </m:den>
+                      </m:f>
+                      <m:nary>
+                        <m:naryPr>
+                          <m:chr m:val="∑"/>
+                          <m:ctrlPr>
+                            <a:rPr lang="ru-RU" b="0" i="1" smtClean="0">
+                              <a:latin typeface="Cambria Math" panose="02040503050406030204" pitchFamily="18" charset="0"/>
+                            </a:rPr>
+                          </m:ctrlPr>
+                        </m:naryPr>
+                        <m:sub>
+                          <m:r>
+                            <m:rPr>
+                              <m:brk m:alnAt="23"/>
+                            </m:rPr>
+                            <a:rPr lang="en-US" b="0" i="1" smtClean="0">
+                              <a:latin typeface="Cambria Math" panose="02040503050406030204" pitchFamily="18" charset="0"/>
+                            </a:rPr>
+                            <m:t>𝑘</m:t>
+                          </m:r>
+                          <m:r>
+                            <a:rPr lang="en-US" b="0" i="1" smtClean="0">
+                              <a:latin typeface="Cambria Math" panose="02040503050406030204" pitchFamily="18" charset="0"/>
+                            </a:rPr>
+                            <m:t>=1</m:t>
+                          </m:r>
+                        </m:sub>
+                        <m:sup>
+                          <m:r>
+                            <a:rPr lang="en-US" b="0" i="1" smtClean="0">
+                              <a:latin typeface="Cambria Math" panose="02040503050406030204" pitchFamily="18" charset="0"/>
+                            </a:rPr>
+                            <m:t>𝑛</m:t>
+                          </m:r>
+                        </m:sup>
+                        <m:e>
+                          <m:sSub>
+                            <m:sSubPr>
+                              <m:ctrlPr>
+                                <a:rPr lang="en-US" b="0" i="1" smtClean="0">
+                                  <a:latin typeface="Cambria Math" panose="02040503050406030204" pitchFamily="18" charset="0"/>
+                                </a:rPr>
+                              </m:ctrlPr>
+                            </m:sSubPr>
+                            <m:e>
+                              <m:r>
+                                <a:rPr lang="en-US" b="0" i="1" smtClean="0">
+                                  <a:latin typeface="Cambria Math" panose="02040503050406030204" pitchFamily="18" charset="0"/>
+                                </a:rPr>
+                                <m:t>𝑋</m:t>
+                              </m:r>
+                            </m:e>
+                            <m:sub>
+                              <m:r>
+                                <a:rPr lang="en-US" b="0" i="1" smtClean="0">
+                                  <a:latin typeface="Cambria Math" panose="02040503050406030204" pitchFamily="18" charset="0"/>
+                                </a:rPr>
+                                <m:t>𝑘</m:t>
+                              </m:r>
+                            </m:sub>
+                          </m:sSub>
+                          <m:sSub>
+                            <m:sSubPr>
+                              <m:ctrlPr>
+                                <a:rPr lang="en-US" b="0" i="1" smtClean="0">
+                                  <a:latin typeface="Cambria Math" panose="02040503050406030204" pitchFamily="18" charset="0"/>
+                                </a:rPr>
+                              </m:ctrlPr>
+                            </m:sSubPr>
+                            <m:e>
+                              <m:r>
+                                <a:rPr lang="en-US" b="0" i="1" smtClean="0">
+                                  <a:latin typeface="Cambria Math" panose="02040503050406030204" pitchFamily="18" charset="0"/>
+                                </a:rPr>
+                                <m:t>𝑌</m:t>
+                              </m:r>
+                            </m:e>
+                            <m:sub>
+                              <m:r>
+                                <a:rPr lang="en-US" b="0" i="1" smtClean="0">
+                                  <a:latin typeface="Cambria Math" panose="02040503050406030204" pitchFamily="18" charset="0"/>
+                                </a:rPr>
+                                <m:t>𝑘</m:t>
+                              </m:r>
+                            </m:sub>
+                          </m:sSub>
+                          <m:r>
+                            <a:rPr lang="en-US" b="0" i="1" smtClean="0">
+                              <a:latin typeface="Cambria Math" panose="02040503050406030204" pitchFamily="18" charset="0"/>
+                            </a:rPr>
+                            <m:t>−</m:t>
+                          </m:r>
+                          <m:sSub>
+                            <m:sSubPr>
+                              <m:ctrlPr>
+                                <a:rPr lang="en-US" b="0" i="1" smtClean="0">
+                                  <a:latin typeface="Cambria Math" panose="02040503050406030204" pitchFamily="18" charset="0"/>
+                                </a:rPr>
+                              </m:ctrlPr>
+                            </m:sSubPr>
+                            <m:e>
+                              <m:acc>
+                                <m:accPr>
+                                  <m:chr m:val="̅"/>
+                                  <m:ctrlPr>
+                                    <a:rPr lang="en-US" b="0" i="1" smtClean="0">
+                                      <a:latin typeface="Cambria Math" panose="02040503050406030204" pitchFamily="18" charset="0"/>
+                                    </a:rPr>
+                                  </m:ctrlPr>
+                                </m:accPr>
+                                <m:e>
+                                  <m:r>
+                                    <a:rPr lang="en-US" b="0" i="1" smtClean="0">
+                                      <a:latin typeface="Cambria Math" panose="02040503050406030204" pitchFamily="18" charset="0"/>
+                                    </a:rPr>
+                                    <m:t>𝑋</m:t>
+                                  </m:r>
+                                </m:e>
+                              </m:acc>
+                            </m:e>
+                            <m:sub>
+                              <m:r>
+                                <a:rPr lang="en-US" b="0" i="1" smtClean="0">
+                                  <a:latin typeface="Cambria Math" panose="02040503050406030204" pitchFamily="18" charset="0"/>
+                                </a:rPr>
+                                <m:t>𝑛</m:t>
+                              </m:r>
+                            </m:sub>
+                          </m:sSub>
+                          <m:sSub>
+                            <m:sSubPr>
+                              <m:ctrlPr>
+                                <a:rPr lang="en-US" b="0" i="1" smtClean="0">
+                                  <a:latin typeface="Cambria Math" panose="02040503050406030204" pitchFamily="18" charset="0"/>
+                                </a:rPr>
+                              </m:ctrlPr>
+                            </m:sSubPr>
+                            <m:e>
+                              <m:acc>
+                                <m:accPr>
+                                  <m:chr m:val="̅"/>
+                                  <m:ctrlPr>
+                                    <a:rPr lang="en-US" b="0" i="1" smtClean="0">
+                                      <a:latin typeface="Cambria Math" panose="02040503050406030204" pitchFamily="18" charset="0"/>
+                                    </a:rPr>
+                                  </m:ctrlPr>
+                                </m:accPr>
+                                <m:e>
+                                  <m:r>
+                                    <a:rPr lang="en-US" b="0" i="1" smtClean="0">
+                                      <a:latin typeface="Cambria Math" panose="02040503050406030204" pitchFamily="18" charset="0"/>
+                                    </a:rPr>
+                                    <m:t>𝑌</m:t>
+                                  </m:r>
+                                </m:e>
+                              </m:acc>
+                            </m:e>
+                            <m:sub>
+                              <m:r>
+                                <a:rPr lang="en-US" b="0" i="1" smtClean="0">
+                                  <a:latin typeface="Cambria Math" panose="02040503050406030204" pitchFamily="18" charset="0"/>
+                                </a:rPr>
+                                <m:t>𝑛</m:t>
+                              </m:r>
+                            </m:sub>
+                          </m:sSub>
+                        </m:e>
+                      </m:nary>
+                    </m:oMath>
+                  </m:oMathPara>
+                </a14:m>
+                <a:endParaRPr lang="ru-RU" dirty="0"/>
+              </a:p>
+            </p:txBody>
+          </p:sp>
+        </mc:Choice>
+        <mc:Fallback>
+          <p:sp>
+            <p:nvSpPr>
+              <p:cNvPr id="3" name="Объект 2">
+                <a:extLst>
+                  <a:ext uri="{FF2B5EF4-FFF2-40B4-BE49-F238E27FC236}">
+                    <a16:creationId xmlns:a16="http://schemas.microsoft.com/office/drawing/2014/main" id="{4B67DE77-7DEF-7F43-B1C9-EAA4C462FD20}"/>
+                  </a:ext>
+                </a:extLst>
+              </p:cNvPr>
+              <p:cNvSpPr>
+                <a:spLocks noGrp="1" noRot="1" noChangeAspect="1" noMove="1" noResize="1" noEditPoints="1" noAdjustHandles="1" noChangeArrowheads="1" noChangeShapeType="1" noTextEdit="1"/>
+              </p:cNvSpPr>
+              <p:nvPr>
+                <p:ph idx="1"/>
+              </p:nvPr>
+            </p:nvSpPr>
+            <p:spPr>
+              <a:blipFill>
+                <a:blip r:embed="rId2"/>
+                <a:stretch>
+                  <a:fillRect t="-33140"/>
+                </a:stretch>
+              </a:blipFill>
+            </p:spPr>
+            <p:txBody>
+              <a:bodyPr/>
+              <a:lstStyle/>
+              <a:p>
+                <a:r>
+                  <a:rPr lang="ru-RU">
+                    <a:noFill/>
+                  </a:rPr>
+                  <a:t> </a:t>
+                </a:r>
+              </a:p>
+            </p:txBody>
+          </p:sp>
+        </mc:Fallback>
+      </mc:AlternateContent>
+    </p:spTree>
+    <p:extLst>
+      <p:ext uri="{BB962C8B-B14F-4D97-AF65-F5344CB8AC3E}">
+        <p14:creationId xmlns:p14="http://schemas.microsoft.com/office/powerpoint/2010/main" val="2029272574"/>
+      </p:ext>
+    </p:extLst>
+  </p:cSld>
+  <p:clrMapOvr>
+    <a:masterClrMapping/>
+  </p:clrMapOvr>
+</p:sld>
+</file>
+
+<file path=ppt/slides/slide6.xml><?xml version="1.0" encoding="utf-8"?>
+<p:sld xmlns:a="http://schemas.openxmlformats.org/drawingml/2006/main" xmlns:r="http://schemas.openxmlformats.org/officeDocument/2006/relationships" xmlns:p="http://schemas.openxmlformats.org/presentationml/2006/main">
+  <p:cSld>
+    <p:spTree>
+      <p:nvGrpSpPr>
+        <p:cNvPr id="1" name=""/>
+        <p:cNvGrpSpPr/>
+        <p:nvPr/>
+      </p:nvGrpSpPr>
+      <p:grpSpPr>
+        <a:xfrm>
+          <a:off x="0" y="0"/>
+          <a:ext cx="0" cy="0"/>
+          <a:chOff x="0" y="0"/>
+          <a:chExt cx="0" cy="0"/>
+        </a:xfrm>
+      </p:grpSpPr>
+      <p:sp>
+        <p:nvSpPr>
+          <p:cNvPr id="2" name="Заголовок 1">
+            <a:extLst>
+              <a:ext uri="{FF2B5EF4-FFF2-40B4-BE49-F238E27FC236}">
                 <a16:creationId xmlns:a16="http://schemas.microsoft.com/office/drawing/2014/main" id="{ACAC5089-9247-8C45-BAE7-C85C32AA0FF8}"/>
               </a:ext>
             </a:extLst>
@@ -4941,8 +5850,8 @@
           </a:p>
         </p:txBody>
       </p:sp>
-      <mc:AlternateContent xmlns:mc="http://schemas.openxmlformats.org/markup-compatibility/2006">
-        <mc:Choice xmlns:a14="http://schemas.microsoft.com/office/drawing/2010/main" Requires="a14">
+      <mc:AlternateContent xmlns:mc="http://schemas.openxmlformats.org/markup-compatibility/2006" xmlns:a14="http://schemas.microsoft.com/office/drawing/2010/main">
+        <mc:Choice Requires="a14">
           <p:sp>
             <p:nvSpPr>
               <p:cNvPr id="5" name="TextBox 4">
@@ -5724,7 +6633,7 @@
             </p:txBody>
           </p:sp>
         </mc:Choice>
-        <mc:Fallback>
+        <mc:Fallback xmlns="">
           <p:sp>
             <p:nvSpPr>
               <p:cNvPr id="5" name="TextBox 4">
@@ -5782,7 +6691,7 @@
 </p:sld>
 </file>
 
-<file path=ppt/slides/slide6.xml><?xml version="1.0" encoding="utf-8"?>
+<file path=ppt/slides/slide7.xml><?xml version="1.0" encoding="utf-8"?>
 <p:sld xmlns:a="http://schemas.openxmlformats.org/drawingml/2006/main" xmlns:r="http://schemas.openxmlformats.org/officeDocument/2006/relationships" xmlns:p="http://schemas.openxmlformats.org/presentationml/2006/main">
   <p:cSld>
     <p:spTree>
@@ -5870,7 +6779,7 @@
 </p:sld>
 </file>
 
-<file path=ppt/slides/slide7.xml><?xml version="1.0" encoding="utf-8"?>
+<file path=ppt/slides/slide8.xml><?xml version="1.0" encoding="utf-8"?>
 <p:sld xmlns:a="http://schemas.openxmlformats.org/drawingml/2006/main" xmlns:r="http://schemas.openxmlformats.org/officeDocument/2006/relationships" xmlns:p="http://schemas.openxmlformats.org/presentationml/2006/main">
   <p:cSld>
     <p:spTree>
@@ -5920,8 +6829,8 @@
           </a:p>
         </p:txBody>
       </p:sp>
-      <mc:AlternateContent xmlns:mc="http://schemas.openxmlformats.org/markup-compatibility/2006">
-        <mc:Choice xmlns:a14="http://schemas.microsoft.com/office/drawing/2010/main" Requires="a14">
+      <mc:AlternateContent xmlns:mc="http://schemas.openxmlformats.org/markup-compatibility/2006" xmlns:a14="http://schemas.microsoft.com/office/drawing/2010/main">
+        <mc:Choice Requires="a14">
           <p:sp>
             <p:nvSpPr>
               <p:cNvPr id="3" name="Объект 2">
@@ -6662,7 +7571,7 @@
             </p:txBody>
           </p:sp>
         </mc:Choice>
-        <mc:Fallback>
+        <mc:Fallback xmlns="">
           <p:sp>
             <p:nvSpPr>
               <p:cNvPr id="3" name="Объект 2">
@@ -6715,7 +7624,7 @@
 </p:sld>
 </file>
 
-<file path=ppt/slides/slide8.xml><?xml version="1.0" encoding="utf-8"?>
+<file path=ppt/slides/slide9.xml><?xml version="1.0" encoding="utf-8"?>
 <p:sld xmlns:a="http://schemas.openxmlformats.org/drawingml/2006/main" xmlns:r="http://schemas.openxmlformats.org/officeDocument/2006/relationships" xmlns:p="http://schemas.openxmlformats.org/presentationml/2006/main">
   <p:cSld>
     <p:spTree>
@@ -6765,8 +7674,8 @@
           </a:p>
         </p:txBody>
       </p:sp>
-      <mc:AlternateContent xmlns:mc="http://schemas.openxmlformats.org/markup-compatibility/2006">
-        <mc:Choice xmlns:a14="http://schemas.microsoft.com/office/drawing/2010/main" Requires="a14">
+      <mc:AlternateContent xmlns:mc="http://schemas.openxmlformats.org/markup-compatibility/2006" xmlns:a14="http://schemas.microsoft.com/office/drawing/2010/main">
+        <mc:Choice Requires="a14">
           <p:sp>
             <p:nvSpPr>
               <p:cNvPr id="3" name="TextBox 2">
@@ -6810,6 +7719,7 @@
                 </a:endParaRPr>
               </a:p>
               <a:p>
+                <a:pPr/>
                 <a14:m>
                   <m:oMathPara xmlns:m="http://schemas.openxmlformats.org/officeDocument/2006/math">
                     <m:oMathParaPr>
@@ -7312,7 +8222,7 @@
             </p:txBody>
           </p:sp>
         </mc:Choice>
-        <mc:Fallback>
+        <mc:Fallback xmlns="">
           <p:sp>
             <p:nvSpPr>
               <p:cNvPr id="3" name="TextBox 2">
@@ -7391,539 +8301,6 @@
     <p:extLst>
       <p:ext uri="{BB962C8B-B14F-4D97-AF65-F5344CB8AC3E}">
         <p14:creationId xmlns:p14="http://schemas.microsoft.com/office/powerpoint/2010/main" val="943268291"/>
-      </p:ext>
-    </p:extLst>
-  </p:cSld>
-  <p:clrMapOvr>
-    <a:masterClrMapping/>
-  </p:clrMapOvr>
-</p:sld>
-</file>
-
-<file path=ppt/slides/slide9.xml><?xml version="1.0" encoding="utf-8"?>
-<p:sld xmlns:a="http://schemas.openxmlformats.org/drawingml/2006/main" xmlns:r="http://schemas.openxmlformats.org/officeDocument/2006/relationships" xmlns:p="http://schemas.openxmlformats.org/presentationml/2006/main">
-  <p:cSld>
-    <p:spTree>
-      <p:nvGrpSpPr>
-        <p:cNvPr id="1" name=""/>
-        <p:cNvGrpSpPr/>
-        <p:nvPr/>
-      </p:nvGrpSpPr>
-      <p:grpSpPr>
-        <a:xfrm>
-          <a:off x="0" y="0"/>
-          <a:ext cx="0" cy="0"/>
-          <a:chOff x="0" y="0"/>
-          <a:chExt cx="0" cy="0"/>
-        </a:xfrm>
-      </p:grpSpPr>
-      <p:sp>
-        <p:nvSpPr>
-          <p:cNvPr id="2" name="Заголовок 1">
-            <a:extLst>
-              <a:ext uri="{FF2B5EF4-FFF2-40B4-BE49-F238E27FC236}">
-                <a16:creationId xmlns:a16="http://schemas.microsoft.com/office/drawing/2014/main" id="{37AF7D15-87C0-1A43-BEE4-8C4BFC527A60}"/>
-              </a:ext>
-            </a:extLst>
-          </p:cNvPr>
-          <p:cNvSpPr>
-            <a:spLocks noGrp="1"/>
-          </p:cNvSpPr>
-          <p:nvPr>
-            <p:ph type="title"/>
-          </p:nvPr>
-        </p:nvSpPr>
-        <p:spPr/>
-        <p:txBody>
-          <a:bodyPr/>
-          <a:lstStyle/>
-          <a:p>
-            <a:r>
-              <a:rPr lang="ru-RU" dirty="0"/>
-              <a:t>Критерий </a:t>
-            </a:r>
-            <a:r>
-              <a:rPr lang="ru-RU" dirty="0" err="1"/>
-              <a:t>Кендалла</a:t>
-            </a:r>
-            <a:endParaRPr lang="ru-RU" dirty="0"/>
-          </a:p>
-        </p:txBody>
-      </p:sp>
-      <mc:AlternateContent xmlns:mc="http://schemas.openxmlformats.org/markup-compatibility/2006" xmlns:a14="http://schemas.microsoft.com/office/drawing/2010/main">
-        <mc:Choice Requires="a14">
-          <p:sp>
-            <p:nvSpPr>
-              <p:cNvPr id="3" name="Объект 2">
-                <a:extLst>
-                  <a:ext uri="{FF2B5EF4-FFF2-40B4-BE49-F238E27FC236}">
-                    <a16:creationId xmlns:a16="http://schemas.microsoft.com/office/drawing/2014/main" id="{724C5FBD-474F-964F-9EEB-2C43F8B270CD}"/>
-                  </a:ext>
-                </a:extLst>
-              </p:cNvPr>
-              <p:cNvSpPr>
-                <a:spLocks noGrp="1"/>
-              </p:cNvSpPr>
-              <p:nvPr>
-                <p:ph idx="1"/>
-              </p:nvPr>
-            </p:nvSpPr>
-            <p:spPr/>
-            <p:txBody>
-              <a:bodyPr/>
-              <a:lstStyle/>
-              <a:p>
-                <a:pPr marL="0" indent="0">
-                  <a:buNone/>
-                </a:pPr>
-                <a:r>
-                  <a:rPr lang="ru-RU" dirty="0">
-                    <a:latin typeface="Times New Roman" panose="02020603050405020304" pitchFamily="18" charset="0"/>
-                    <a:cs typeface="Times New Roman" panose="02020603050405020304" pitchFamily="18" charset="0"/>
-                  </a:rPr>
-                  <a:t>Статистика</a:t>
-                </a:r>
-              </a:p>
-              <a:p>
-                <a:pPr marL="0" indent="0">
-                  <a:buNone/>
-                </a:pPr>
-                <a14:m>
-                  <m:oMathPara xmlns:m="http://schemas.openxmlformats.org/officeDocument/2006/math">
-                    <m:oMathParaPr>
-                      <m:jc m:val="centerGroup"/>
-                    </m:oMathParaPr>
-                    <m:oMath xmlns:m="http://schemas.openxmlformats.org/officeDocument/2006/math">
-                      <m:r>
-                        <a:rPr lang="en-US" b="0" i="1" smtClean="0">
-                          <a:latin typeface="Cambria Math" panose="02040503050406030204" pitchFamily="18" charset="0"/>
-                        </a:rPr>
-                        <m:t>𝑇</m:t>
-                      </m:r>
-                      <m:r>
-                        <a:rPr lang="en-US" b="0" i="1" smtClean="0">
-                          <a:latin typeface="Cambria Math" panose="02040503050406030204" pitchFamily="18" charset="0"/>
-                        </a:rPr>
-                        <m:t>=</m:t>
-                      </m:r>
-                      <m:f>
-                        <m:fPr>
-                          <m:ctrlPr>
-                            <a:rPr lang="en-US" b="0" i="1" smtClean="0">
-                              <a:latin typeface="Cambria Math" panose="02040503050406030204" pitchFamily="18" charset="0"/>
-                            </a:rPr>
-                          </m:ctrlPr>
-                        </m:fPr>
-                        <m:num>
-                          <m:sSub>
-                            <m:sSubPr>
-                              <m:ctrlPr>
-                                <a:rPr lang="en-US" i="1" smtClean="0">
-                                  <a:latin typeface="Cambria Math" panose="02040503050406030204" pitchFamily="18" charset="0"/>
-                                </a:rPr>
-                              </m:ctrlPr>
-                            </m:sSubPr>
-                            <m:e>
-                              <m:acc>
-                                <m:accPr>
-                                  <m:chr m:val="̂"/>
-                                  <m:ctrlPr>
-                                    <a:rPr lang="en-US" i="1">
-                                      <a:latin typeface="Cambria Math" panose="02040503050406030204" pitchFamily="18" charset="0"/>
-                                    </a:rPr>
-                                  </m:ctrlPr>
-                                </m:accPr>
-                                <m:e>
-                                  <m:r>
-                                    <a:rPr lang="en-US" i="1">
-                                      <a:latin typeface="Cambria Math" panose="02040503050406030204" pitchFamily="18" charset="0"/>
-                                    </a:rPr>
-                                    <m:t> </m:t>
-                                  </m:r>
-                                  <m:r>
-                                    <a:rPr lang="en-US" i="1" smtClean="0">
-                                      <a:latin typeface="Cambria Math" panose="02040503050406030204" pitchFamily="18" charset="0"/>
-                                      <a:ea typeface="Cambria Math" panose="02040503050406030204" pitchFamily="18" charset="0"/>
-                                    </a:rPr>
-                                    <m:t>𝜏</m:t>
-                                  </m:r>
-                                  <m:r>
-                                    <a:rPr lang="en-US" i="1">
-                                      <a:latin typeface="Cambria Math" panose="02040503050406030204" pitchFamily="18" charset="0"/>
-                                    </a:rPr>
-                                    <m:t> </m:t>
-                                  </m:r>
-                                </m:e>
-                              </m:acc>
-                            </m:e>
-                            <m:sub>
-                              <m:r>
-                                <a:rPr lang="en-US" i="1">
-                                  <a:latin typeface="Cambria Math" panose="02040503050406030204" pitchFamily="18" charset="0"/>
-                                </a:rPr>
-                                <m:t>𝑋𝑌</m:t>
-                              </m:r>
-                            </m:sub>
-                          </m:sSub>
-                          <m:d>
-                            <m:dPr>
-                              <m:ctrlPr>
-                                <a:rPr lang="ru-RU" b="0" i="1" smtClean="0">
-                                  <a:latin typeface="Cambria Math" panose="02040503050406030204" pitchFamily="18" charset="0"/>
-                                </a:rPr>
-                              </m:ctrlPr>
-                            </m:dPr>
-                            <m:e>
-                              <m:r>
-                                <a:rPr lang="en-US" b="0" i="1" smtClean="0">
-                                  <a:latin typeface="Cambria Math" panose="02040503050406030204" pitchFamily="18" charset="0"/>
-                                </a:rPr>
-                                <m:t>𝑛</m:t>
-                              </m:r>
-                            </m:e>
-                          </m:d>
-                        </m:num>
-                        <m:den>
-                          <m:rad>
-                            <m:radPr>
-                              <m:degHide m:val="on"/>
-                              <m:ctrlPr>
-                                <a:rPr lang="en-US" b="0" i="1" smtClean="0">
-                                  <a:latin typeface="Cambria Math" panose="02040503050406030204" pitchFamily="18" charset="0"/>
-                                </a:rPr>
-                              </m:ctrlPr>
-                            </m:radPr>
-                            <m:deg/>
-                            <m:e>
-                              <m:sSub>
-                                <m:sSubPr>
-                                  <m:ctrlPr>
-                                    <a:rPr lang="en-US" i="1" smtClean="0">
-                                      <a:latin typeface="Cambria Math" panose="02040503050406030204" pitchFamily="18" charset="0"/>
-                                    </a:rPr>
-                                  </m:ctrlPr>
-                                </m:sSubPr>
-                                <m:e>
-                                  <m:r>
-                                    <a:rPr lang="en-US" b="0" i="1" smtClean="0">
-                                      <a:latin typeface="Cambria Math" panose="02040503050406030204" pitchFamily="18" charset="0"/>
-                                    </a:rPr>
-                                    <m:t>𝐷</m:t>
-                                  </m:r>
-                                  <m:r>
-                                    <a:rPr lang="en-US" b="0" i="1" smtClean="0">
-                                      <a:latin typeface="Cambria Math" panose="02040503050406030204" pitchFamily="18" charset="0"/>
-                                    </a:rPr>
-                                    <m:t>{</m:t>
-                                  </m:r>
-                                  <m:acc>
-                                    <m:accPr>
-                                      <m:chr m:val="̂"/>
-                                      <m:ctrlPr>
-                                        <a:rPr lang="en-US" i="1">
-                                          <a:latin typeface="Cambria Math" panose="02040503050406030204" pitchFamily="18" charset="0"/>
-                                        </a:rPr>
-                                      </m:ctrlPr>
-                                    </m:accPr>
-                                    <m:e>
-                                      <m:r>
-                                        <a:rPr lang="en-US" i="1">
-                                          <a:latin typeface="Cambria Math" panose="02040503050406030204" pitchFamily="18" charset="0"/>
-                                        </a:rPr>
-                                        <m:t> </m:t>
-                                      </m:r>
-                                      <m:r>
-                                        <a:rPr lang="en-US" i="1" smtClean="0">
-                                          <a:latin typeface="Cambria Math" panose="02040503050406030204" pitchFamily="18" charset="0"/>
-                                          <a:ea typeface="Cambria Math" panose="02040503050406030204" pitchFamily="18" charset="0"/>
-                                        </a:rPr>
-                                        <m:t>𝜏</m:t>
-                                      </m:r>
-                                      <m:r>
-                                        <a:rPr lang="en-US" i="1">
-                                          <a:latin typeface="Cambria Math" panose="02040503050406030204" pitchFamily="18" charset="0"/>
-                                        </a:rPr>
-                                        <m:t> </m:t>
-                                      </m:r>
-                                    </m:e>
-                                  </m:acc>
-                                </m:e>
-                                <m:sub>
-                                  <m:r>
-                                    <a:rPr lang="en-US" i="1">
-                                      <a:latin typeface="Cambria Math" panose="02040503050406030204" pitchFamily="18" charset="0"/>
-                                    </a:rPr>
-                                    <m:t>𝑋𝑌</m:t>
-                                  </m:r>
-                                </m:sub>
-                              </m:sSub>
-                              <m:d>
-                                <m:dPr>
-                                  <m:ctrlPr>
-                                    <a:rPr lang="ru-RU" b="0" i="1" smtClean="0">
-                                      <a:latin typeface="Cambria Math" panose="02040503050406030204" pitchFamily="18" charset="0"/>
-                                    </a:rPr>
-                                  </m:ctrlPr>
-                                </m:dPr>
-                                <m:e>
-                                  <m:r>
-                                    <a:rPr lang="en-US" b="0" i="1" smtClean="0">
-                                      <a:latin typeface="Cambria Math" panose="02040503050406030204" pitchFamily="18" charset="0"/>
-                                    </a:rPr>
-                                    <m:t>𝑛</m:t>
-                                  </m:r>
-                                </m:e>
-                              </m:d>
-                              <m:r>
-                                <a:rPr lang="en-US" b="0" i="1" smtClean="0">
-                                  <a:latin typeface="Cambria Math" panose="02040503050406030204" pitchFamily="18" charset="0"/>
-                                </a:rPr>
-                                <m:t>}</m:t>
-                              </m:r>
-                            </m:e>
-                          </m:rad>
-                        </m:den>
-                      </m:f>
-                    </m:oMath>
-                  </m:oMathPara>
-                </a14:m>
-                <a:endParaRPr lang="en-US" dirty="0">
-                  <a:latin typeface="Times New Roman" panose="02020603050405020304" pitchFamily="18" charset="0"/>
-                  <a:cs typeface="Times New Roman" panose="02020603050405020304" pitchFamily="18" charset="0"/>
-                </a:endParaRPr>
-              </a:p>
-              <a:p>
-                <a:pPr marL="0" indent="0">
-                  <a:buNone/>
-                </a:pPr>
-                <a:endParaRPr lang="en-US" dirty="0">
-                  <a:latin typeface="Times New Roman" panose="02020603050405020304" pitchFamily="18" charset="0"/>
-                  <a:cs typeface="Times New Roman" panose="02020603050405020304" pitchFamily="18" charset="0"/>
-                </a:endParaRPr>
-              </a:p>
-              <a:p>
-                <a:pPr marL="0" indent="0">
-                  <a:buNone/>
-                </a:pPr>
-                <a14:m>
-                  <m:oMathPara xmlns:m="http://schemas.openxmlformats.org/officeDocument/2006/math">
-                    <m:oMathParaPr>
-                      <m:jc m:val="centerGroup"/>
-                    </m:oMathParaPr>
-                    <m:oMath xmlns:m="http://schemas.openxmlformats.org/officeDocument/2006/math">
-                      <m:sSub>
-                        <m:sSubPr>
-                          <m:ctrlPr>
-                            <a:rPr lang="en-US" i="1" smtClean="0">
-                              <a:latin typeface="Cambria Math" panose="02040503050406030204" pitchFamily="18" charset="0"/>
-                            </a:rPr>
-                          </m:ctrlPr>
-                        </m:sSubPr>
-                        <m:e>
-                          <m:r>
-                            <a:rPr lang="en-US" b="0" i="1" smtClean="0">
-                              <a:latin typeface="Cambria Math" panose="02040503050406030204" pitchFamily="18" charset="0"/>
-                            </a:rPr>
-                            <m:t>𝐷</m:t>
-                          </m:r>
-                          <m:r>
-                            <a:rPr lang="en-US" b="0" i="1" smtClean="0">
-                              <a:latin typeface="Cambria Math" panose="02040503050406030204" pitchFamily="18" charset="0"/>
-                            </a:rPr>
-                            <m:t>{</m:t>
-                          </m:r>
-                          <m:acc>
-                            <m:accPr>
-                              <m:chr m:val="̂"/>
-                              <m:ctrlPr>
-                                <a:rPr lang="en-US" i="1">
-                                  <a:latin typeface="Cambria Math" panose="02040503050406030204" pitchFamily="18" charset="0"/>
-                                </a:rPr>
-                              </m:ctrlPr>
-                            </m:accPr>
-                            <m:e>
-                              <m:r>
-                                <a:rPr lang="en-US" i="1">
-                                  <a:latin typeface="Cambria Math" panose="02040503050406030204" pitchFamily="18" charset="0"/>
-                                </a:rPr>
-                                <m:t> </m:t>
-                              </m:r>
-                              <m:r>
-                                <a:rPr lang="en-US" i="1" smtClean="0">
-                                  <a:latin typeface="Cambria Math" panose="02040503050406030204" pitchFamily="18" charset="0"/>
-                                  <a:ea typeface="Cambria Math" panose="02040503050406030204" pitchFamily="18" charset="0"/>
-                                </a:rPr>
-                                <m:t>𝜏</m:t>
-                              </m:r>
-                              <m:r>
-                                <a:rPr lang="en-US" i="1">
-                                  <a:latin typeface="Cambria Math" panose="02040503050406030204" pitchFamily="18" charset="0"/>
-                                </a:rPr>
-                                <m:t> </m:t>
-                              </m:r>
-                            </m:e>
-                          </m:acc>
-                        </m:e>
-                        <m:sub>
-                          <m:r>
-                            <a:rPr lang="en-US" i="1">
-                              <a:latin typeface="Cambria Math" panose="02040503050406030204" pitchFamily="18" charset="0"/>
-                            </a:rPr>
-                            <m:t>𝑋𝑌</m:t>
-                          </m:r>
-                        </m:sub>
-                      </m:sSub>
-                      <m:d>
-                        <m:dPr>
-                          <m:ctrlPr>
-                            <a:rPr lang="ru-RU" b="0" i="1" smtClean="0">
-                              <a:latin typeface="Cambria Math" panose="02040503050406030204" pitchFamily="18" charset="0"/>
-                            </a:rPr>
-                          </m:ctrlPr>
-                        </m:dPr>
-                        <m:e>
-                          <m:r>
-                            <a:rPr lang="en-US" b="0" i="1" smtClean="0">
-                              <a:latin typeface="Cambria Math" panose="02040503050406030204" pitchFamily="18" charset="0"/>
-                            </a:rPr>
-                            <m:t>𝑛</m:t>
-                          </m:r>
-                        </m:e>
-                      </m:d>
-                      <m:r>
-                        <a:rPr lang="en-US" b="0" i="0" smtClean="0">
-                          <a:latin typeface="Cambria Math" panose="02040503050406030204" pitchFamily="18" charset="0"/>
-                        </a:rPr>
-                        <m:t>}=</m:t>
-                      </m:r>
-                      <m:f>
-                        <m:fPr>
-                          <m:ctrlPr>
-                            <a:rPr lang="en-US" b="0" i="1" smtClean="0">
-                              <a:latin typeface="Cambria Math" panose="02040503050406030204" pitchFamily="18" charset="0"/>
-                            </a:rPr>
-                          </m:ctrlPr>
-                        </m:fPr>
-                        <m:num>
-                          <m:r>
-                            <a:rPr lang="en-US" b="0" i="0" smtClean="0">
-                              <a:latin typeface="Cambria Math" panose="02040503050406030204" pitchFamily="18" charset="0"/>
-                            </a:rPr>
-                            <m:t>4</m:t>
-                          </m:r>
-                          <m:r>
-                            <a:rPr lang="en-US" b="0" i="1" smtClean="0">
-                              <a:latin typeface="Cambria Math" panose="02040503050406030204" pitchFamily="18" charset="0"/>
-                            </a:rPr>
-                            <m:t>𝑛</m:t>
-                          </m:r>
-                          <m:r>
-                            <a:rPr lang="en-US" b="0" i="1" smtClean="0">
-                              <a:latin typeface="Cambria Math" panose="02040503050406030204" pitchFamily="18" charset="0"/>
-                            </a:rPr>
-                            <m:t>+10</m:t>
-                          </m:r>
-                        </m:num>
-                        <m:den>
-                          <m:r>
-                            <a:rPr lang="en-US" b="0" i="1" smtClean="0">
-                              <a:latin typeface="Cambria Math" panose="02040503050406030204" pitchFamily="18" charset="0"/>
-                            </a:rPr>
-                            <m:t>9</m:t>
-                          </m:r>
-                          <m:r>
-                            <a:rPr lang="en-US" b="0" i="1" smtClean="0">
-                              <a:latin typeface="Cambria Math" panose="02040503050406030204" pitchFamily="18" charset="0"/>
-                            </a:rPr>
-                            <m:t>𝑛</m:t>
-                          </m:r>
-                          <m:r>
-                            <a:rPr lang="en-US" b="0" i="1" smtClean="0">
-                              <a:latin typeface="Cambria Math" panose="02040503050406030204" pitchFamily="18" charset="0"/>
-                            </a:rPr>
-                            <m:t>(</m:t>
-                          </m:r>
-                          <m:r>
-                            <a:rPr lang="en-US" b="0" i="1" smtClean="0">
-                              <a:latin typeface="Cambria Math" panose="02040503050406030204" pitchFamily="18" charset="0"/>
-                            </a:rPr>
-                            <m:t>𝑛</m:t>
-                          </m:r>
-                          <m:r>
-                            <a:rPr lang="en-US" b="0" i="1" smtClean="0">
-                              <a:latin typeface="Cambria Math" panose="02040503050406030204" pitchFamily="18" charset="0"/>
-                            </a:rPr>
-                            <m:t>−1)</m:t>
-                          </m:r>
-                        </m:den>
-                      </m:f>
-                    </m:oMath>
-                  </m:oMathPara>
-                </a14:m>
-                <a:endParaRPr lang="en-US" dirty="0">
-                  <a:latin typeface="Times New Roman" panose="02020603050405020304" pitchFamily="18" charset="0"/>
-                  <a:cs typeface="Times New Roman" panose="02020603050405020304" pitchFamily="18" charset="0"/>
-                </a:endParaRPr>
-              </a:p>
-              <a:p>
-                <a:pPr marL="0" indent="0">
-                  <a:buNone/>
-                </a:pPr>
-                <a:r>
-                  <a:rPr lang="ru-RU" dirty="0">
-                    <a:latin typeface="Times New Roman" panose="02020603050405020304" pitchFamily="18" charset="0"/>
-                    <a:cs typeface="Times New Roman" panose="02020603050405020304" pitchFamily="18" charset="0"/>
-                  </a:rPr>
-                  <a:t>Имеет нормальное распределение.</a:t>
-                </a:r>
-              </a:p>
-            </p:txBody>
-          </p:sp>
-        </mc:Choice>
-        <mc:Fallback xmlns="">
-          <p:sp>
-            <p:nvSpPr>
-              <p:cNvPr id="3" name="Объект 2">
-                <a:extLst>
-                  <a:ext uri="{FF2B5EF4-FFF2-40B4-BE49-F238E27FC236}">
-                    <a16:creationId xmlns:a16="http://schemas.microsoft.com/office/drawing/2014/main" id="{724C5FBD-474F-964F-9EEB-2C43F8B270CD}"/>
-                  </a:ext>
-                </a:extLst>
-              </p:cNvPr>
-              <p:cNvSpPr>
-                <a:spLocks noGrp="1" noRot="1" noChangeAspect="1" noMove="1" noResize="1" noEditPoints="1" noAdjustHandles="1" noChangeArrowheads="1" noChangeShapeType="1" noTextEdit="1"/>
-              </p:cNvSpPr>
-              <p:nvPr>
-                <p:ph idx="1"/>
-              </p:nvPr>
-            </p:nvSpPr>
-            <p:spPr>
-              <a:blipFill>
-                <a:blip r:embed="rId2"/>
-                <a:stretch>
-                  <a:fillRect l="-1206" t="-2326"/>
-                </a:stretch>
-              </a:blipFill>
-            </p:spPr>
-            <p:txBody>
-              <a:bodyPr/>
-              <a:lstStyle/>
-              <a:p>
-                <a:r>
-                  <a:rPr lang="ru-RU">
-                    <a:noFill/>
-                  </a:rPr>
-                  <a:t> </a:t>
-                </a:r>
-              </a:p>
-            </p:txBody>
-          </p:sp>
-        </mc:Fallback>
-      </mc:AlternateContent>
-    </p:spTree>
-    <p:extLst>
-      <p:ext uri="{BB962C8B-B14F-4D97-AF65-F5344CB8AC3E}">
-        <p14:creationId xmlns:p14="http://schemas.microsoft.com/office/powerpoint/2010/main" val="4097241261"/>
       </p:ext>
     </p:extLst>
   </p:cSld>

--- a/lessons/ni/Семинар_5.pptx
+++ b/lessons/ni/Семинар_5.pptx
@@ -5575,6 +5575,12 @@
                             </a:rPr>
                             <m:t>𝑛</m:t>
                           </m:r>
+                          <m:r>
+                            <a:rPr lang="ru-RU" b="0" i="1" smtClean="0">
+                              <a:latin typeface="Cambria Math" panose="02040503050406030204" pitchFamily="18" charset="0"/>
+                            </a:rPr>
+                            <m:t>−1</m:t>
+                          </m:r>
                         </m:den>
                       </m:f>
                       <m:nary>
